--- a/Spark Kernels v1.pptx
+++ b/Spark Kernels v1.pptx
@@ -5,10 +5,10 @@
     <p:sldMasterId id="2147483648" r:id="rId4"/>
   </p:sldMasterIdLst>
   <p:notesMasterIdLst>
-    <p:notesMasterId r:id="rId29"/>
+    <p:notesMasterId r:id="rId28"/>
   </p:notesMasterIdLst>
   <p:handoutMasterIdLst>
-    <p:handoutMasterId r:id="rId30"/>
+    <p:handoutMasterId r:id="rId29"/>
   </p:handoutMasterIdLst>
   <p:sldIdLst>
     <p:sldId id="405" r:id="rId5"/>
@@ -31,10 +31,9 @@
     <p:sldId id="427" r:id="rId22"/>
     <p:sldId id="424" r:id="rId23"/>
     <p:sldId id="429" r:id="rId24"/>
-    <p:sldId id="430" r:id="rId25"/>
-    <p:sldId id="404" r:id="rId26"/>
-    <p:sldId id="428" r:id="rId27"/>
-    <p:sldId id="407" r:id="rId28"/>
+    <p:sldId id="404" r:id="rId25"/>
+    <p:sldId id="428" r:id="rId26"/>
+    <p:sldId id="407" r:id="rId27"/>
   </p:sldIdLst>
   <p:sldSz cx="9144000" cy="6858000" type="screen4x3"/>
   <p:notesSz cx="6858000" cy="9296400"/>
@@ -4912,7 +4911,7 @@
           </p:cNvPicPr>
           <p:nvPr/>
         </p:nvPicPr>
-        <p:blipFill>
+        <p:blipFill rotWithShape="1">
           <a:blip r:embed="rId2">
             <a:extLst>
               <a:ext uri="{28A0092B-C50C-407E-A947-70E740481C1C}">
@@ -4920,14 +4919,13 @@
               </a:ext>
             </a:extLst>
           </a:blip>
-          <a:stretch>
-            <a:fillRect/>
-          </a:stretch>
+          <a:srcRect t="6430"/>
+          <a:stretch/>
         </p:blipFill>
         <p:spPr>
           <a:xfrm>
-            <a:off x="1371600" y="1519136"/>
-            <a:ext cx="6400800" cy="5186464"/>
+            <a:off x="1348166" y="1568964"/>
+            <a:ext cx="6447667" cy="4888513"/>
           </a:xfrm>
           <a:prstGeom prst="rect">
             <a:avLst/>
@@ -6989,17 +6987,6 @@
               </a:rPr>
               <a:t> video</a:t>
             </a:r>
-            <a:endParaRPr kumimoji="0" lang="en-US" sz="2400" b="0" i="0" u="none" strike="noStrike" cap="none" normalizeH="0" baseline="0" dirty="0" smtClean="0">
-              <a:ln>
-                <a:noFill/>
-              </a:ln>
-              <a:solidFill>
-                <a:schemeClr val="tx1"/>
-              </a:solidFill>
-              <a:effectLst/>
-              <a:latin typeface="Arial" charset="0"/>
-              <a:ea typeface="ＭＳ Ｐゴシック" pitchFamily="80" charset="-128"/>
-            </a:endParaRPr>
           </a:p>
         </p:txBody>
       </p:sp>
@@ -7732,17 +7719,6 @@
               </a:rPr>
               <a:t> video</a:t>
             </a:r>
-            <a:endParaRPr kumimoji="0" lang="en-US" sz="2400" b="0" i="0" u="none" strike="noStrike" cap="none" normalizeH="0" baseline="0" dirty="0" smtClean="0">
-              <a:ln>
-                <a:noFill/>
-              </a:ln>
-              <a:solidFill>
-                <a:schemeClr val="tx1"/>
-              </a:solidFill>
-              <a:effectLst/>
-              <a:latin typeface="Arial" charset="0"/>
-              <a:ea typeface="ＭＳ Ｐゴシック" pitchFamily="80" charset="-128"/>
-            </a:endParaRPr>
           </a:p>
         </p:txBody>
       </p:sp>
@@ -10232,411 +10208,6 @@
           <a:chExt cx="0" cy="0"/>
         </a:xfrm>
       </p:grpSpPr>
-      <p:sp>
-        <p:nvSpPr>
-          <p:cNvPr id="2" name="Title 1"/>
-          <p:cNvSpPr>
-            <a:spLocks noGrp="1"/>
-          </p:cNvSpPr>
-          <p:nvPr>
-            <p:ph type="title"/>
-          </p:nvPr>
-        </p:nvSpPr>
-        <p:spPr/>
-        <p:txBody>
-          <a:bodyPr/>
-          <a:lstStyle/>
-          <a:p>
-            <a:r>
-              <a:rPr lang="en-US" dirty="0" smtClean="0"/>
-              <a:t>Future Work</a:t>
-            </a:r>
-            <a:endParaRPr lang="en-US" dirty="0"/>
-          </a:p>
-        </p:txBody>
-      </p:sp>
-      <p:sp>
-        <p:nvSpPr>
-          <p:cNvPr id="3" name="Content Placeholder 2"/>
-          <p:cNvSpPr>
-            <a:spLocks noGrp="1"/>
-          </p:cNvSpPr>
-          <p:nvPr>
-            <p:ph idx="1"/>
-          </p:nvPr>
-        </p:nvSpPr>
-        <p:spPr>
-          <a:xfrm>
-            <a:off x="304800" y="1969864"/>
-            <a:ext cx="7772400" cy="1916336"/>
-          </a:xfrm>
-        </p:spPr>
-        <p:txBody>
-          <a:bodyPr/>
-          <a:lstStyle/>
-          <a:p>
-            <a:r>
-              <a:rPr lang="en-US" dirty="0" smtClean="0"/>
-              <a:t>Particle detection</a:t>
-            </a:r>
-          </a:p>
-          <a:p>
-            <a:r>
-              <a:rPr lang="en-US" dirty="0" smtClean="0"/>
-              <a:t>Effects of impinging air jet</a:t>
-            </a:r>
-          </a:p>
-          <a:p>
-            <a:r>
-              <a:rPr lang="en-US" dirty="0" smtClean="0"/>
-              <a:t>Plasma synchronization</a:t>
-            </a:r>
-          </a:p>
-          <a:p>
-            <a:pPr marL="0" indent="0">
-              <a:buNone/>
-            </a:pPr>
-            <a:endParaRPr lang="en-US" dirty="0"/>
-          </a:p>
-        </p:txBody>
-      </p:sp>
-      <p:sp>
-        <p:nvSpPr>
-          <p:cNvPr id="4" name="Slide Number Placeholder 3"/>
-          <p:cNvSpPr>
-            <a:spLocks noGrp="1"/>
-          </p:cNvSpPr>
-          <p:nvPr>
-            <p:ph type="sldNum" sz="quarter" idx="12"/>
-          </p:nvPr>
-        </p:nvSpPr>
-        <p:spPr/>
-        <p:txBody>
-          <a:bodyPr/>
-          <a:lstStyle/>
-          <a:p>
-            <a:pPr>
-              <a:defRPr/>
-            </a:pPr>
-            <a:fld id="{DF317779-8E6C-47D5-BE9C-F5E8CE6A8331}" type="slidenum">
-              <a:rPr lang="en-US" smtClean="0"/>
-              <a:pPr>
-                <a:defRPr/>
-              </a:pPr>
-              <a:t>21</a:t>
-            </a:fld>
-            <a:endParaRPr lang="en-US" dirty="0"/>
-          </a:p>
-        </p:txBody>
-      </p:sp>
-      <p:pic>
-        <p:nvPicPr>
-          <p:cNvPr id="5" name="Picture 4"/>
-          <p:cNvPicPr>
-            <a:picLocks noChangeAspect="1"/>
-          </p:cNvPicPr>
-          <p:nvPr/>
-        </p:nvPicPr>
-        <p:blipFill>
-          <a:blip r:embed="rId2" cstate="print">
-            <a:extLst>
-              <a:ext uri="{28A0092B-C50C-407E-A947-70E740481C1C}">
-                <a14:useLocalDpi xmlns:a14="http://schemas.microsoft.com/office/drawing/2010/main" val="0"/>
-              </a:ext>
-            </a:extLst>
-          </a:blip>
-          <a:stretch>
-            <a:fillRect/>
-          </a:stretch>
-        </p:blipFill>
-        <p:spPr>
-          <a:xfrm>
-            <a:off x="5638800" y="0"/>
-            <a:ext cx="2133600" cy="853440"/>
-          </a:xfrm>
-          <a:prstGeom prst="rect">
-            <a:avLst/>
-          </a:prstGeom>
-        </p:spPr>
-      </p:pic>
-      <p:graphicFrame>
-        <p:nvGraphicFramePr>
-          <p:cNvPr id="6" name="Table 5"/>
-          <p:cNvGraphicFramePr>
-            <a:graphicFrameLocks noGrp="1"/>
-          </p:cNvGraphicFramePr>
-          <p:nvPr>
-            <p:extLst>
-              <p:ext uri="{D42A27DB-BD31-4B8C-83A1-F6EECF244321}">
-                <p14:modId xmlns:p14="http://schemas.microsoft.com/office/powerpoint/2010/main" val="2461854958"/>
-              </p:ext>
-            </p:extLst>
-          </p:nvPr>
-        </p:nvGraphicFramePr>
-        <p:xfrm>
-          <a:off x="152400" y="6465664"/>
-          <a:ext cx="8915400" cy="370840"/>
-        </p:xfrm>
-        <a:graphic>
-          <a:graphicData uri="http://schemas.openxmlformats.org/drawingml/2006/table">
-            <a:tbl>
-              <a:tblPr firstRow="1" bandRow="1">
-                <a:tableStyleId>{5C22544A-7EE6-4342-B048-85BDC9FD1C3A}</a:tableStyleId>
-              </a:tblPr>
-              <a:tblGrid>
-                <a:gridCol w="609600">
-                  <a:extLst>
-                    <a:ext uri="{9D8B030D-6E8A-4147-A177-3AD203B41FA5}">
-                      <a16:colId xmlns:a16="http://schemas.microsoft.com/office/drawing/2014/main" val="2304155594"/>
-                    </a:ext>
-                  </a:extLst>
-                </a:gridCol>
-                <a:gridCol w="1828800">
-                  <a:extLst>
-                    <a:ext uri="{9D8B030D-6E8A-4147-A177-3AD203B41FA5}">
-                      <a16:colId xmlns:a16="http://schemas.microsoft.com/office/drawing/2014/main" val="1641462730"/>
-                    </a:ext>
-                  </a:extLst>
-                </a:gridCol>
-                <a:gridCol w="1219200">
-                  <a:extLst>
-                    <a:ext uri="{9D8B030D-6E8A-4147-A177-3AD203B41FA5}">
-                      <a16:colId xmlns:a16="http://schemas.microsoft.com/office/drawing/2014/main" val="1885188366"/>
-                    </a:ext>
-                  </a:extLst>
-                </a:gridCol>
-                <a:gridCol w="1828800">
-                  <a:extLst>
-                    <a:ext uri="{9D8B030D-6E8A-4147-A177-3AD203B41FA5}">
-                      <a16:colId xmlns:a16="http://schemas.microsoft.com/office/drawing/2014/main" val="3158000669"/>
-                    </a:ext>
-                  </a:extLst>
-                </a:gridCol>
-                <a:gridCol w="2057400">
-                  <a:extLst>
-                    <a:ext uri="{9D8B030D-6E8A-4147-A177-3AD203B41FA5}">
-                      <a16:colId xmlns:a16="http://schemas.microsoft.com/office/drawing/2014/main" val="1626225306"/>
-                    </a:ext>
-                  </a:extLst>
-                </a:gridCol>
-                <a:gridCol w="1371600">
-                  <a:extLst>
-                    <a:ext uri="{9D8B030D-6E8A-4147-A177-3AD203B41FA5}">
-                      <a16:colId xmlns:a16="http://schemas.microsoft.com/office/drawing/2014/main" val="1228555599"/>
-                    </a:ext>
-                  </a:extLst>
-                </a:gridCol>
-              </a:tblGrid>
-              <a:tr h="370840">
-                <a:tc>
-                  <a:txBody>
-                    <a:bodyPr/>
-                    <a:lstStyle/>
-                    <a:p>
-                      <a:pPr algn="ctr"/>
-                      <a:r>
-                        <a:rPr lang="en-US" dirty="0" smtClean="0">
-                          <a:solidFill>
-                            <a:schemeClr val="bg1"/>
-                          </a:solidFill>
-                        </a:rPr>
-                        <a:t>Intro</a:t>
-                      </a:r>
-                      <a:endParaRPr lang="en-US" dirty="0">
-                        <a:solidFill>
-                          <a:schemeClr val="bg1"/>
-                        </a:solidFill>
-                      </a:endParaRPr>
-                    </a:p>
-                  </a:txBody>
-                  <a:tcPr>
-                    <a:solidFill>
-                      <a:srgbClr val="E08A1F"/>
-                    </a:solidFill>
-                  </a:tcPr>
-                </a:tc>
-                <a:tc>
-                  <a:txBody>
-                    <a:bodyPr/>
-                    <a:lstStyle/>
-                    <a:p>
-                      <a:pPr algn="ctr"/>
-                      <a:r>
-                        <a:rPr lang="en-US" dirty="0" smtClean="0">
-                          <a:solidFill>
-                            <a:schemeClr val="bg1"/>
-                          </a:solidFill>
-                        </a:rPr>
-                        <a:t>Background</a:t>
-                      </a:r>
-                      <a:endParaRPr lang="en-US" dirty="0">
-                        <a:solidFill>
-                          <a:schemeClr val="bg1"/>
-                        </a:solidFill>
-                      </a:endParaRPr>
-                    </a:p>
-                  </a:txBody>
-                  <a:tcPr>
-                    <a:solidFill>
-                      <a:srgbClr val="E08A1F"/>
-                    </a:solidFill>
-                  </a:tcPr>
-                </a:tc>
-                <a:tc>
-                  <a:txBody>
-                    <a:bodyPr/>
-                    <a:lstStyle/>
-                    <a:p>
-                      <a:pPr algn="ctr"/>
-                      <a:r>
-                        <a:rPr lang="en-US" dirty="0" smtClean="0">
-                          <a:solidFill>
-                            <a:schemeClr val="bg1"/>
-                          </a:solidFill>
-                        </a:rPr>
-                        <a:t>Experiment</a:t>
-                      </a:r>
-                      <a:endParaRPr lang="en-US" dirty="0">
-                        <a:solidFill>
-                          <a:schemeClr val="bg1"/>
-                        </a:solidFill>
-                      </a:endParaRPr>
-                    </a:p>
-                  </a:txBody>
-                  <a:tcPr>
-                    <a:solidFill>
-                      <a:srgbClr val="E08A1F"/>
-                    </a:solidFill>
-                  </a:tcPr>
-                </a:tc>
-                <a:tc>
-                  <a:txBody>
-                    <a:bodyPr/>
-                    <a:lstStyle/>
-                    <a:p>
-                      <a:pPr algn="ctr"/>
-                      <a:r>
-                        <a:rPr lang="en-US" dirty="0" smtClean="0">
-                          <a:solidFill>
-                            <a:schemeClr val="bg1"/>
-                          </a:solidFill>
-                        </a:rPr>
-                        <a:t>Image Processing</a:t>
-                      </a:r>
-                      <a:endParaRPr lang="en-US" dirty="0">
-                        <a:solidFill>
-                          <a:schemeClr val="bg1"/>
-                        </a:solidFill>
-                      </a:endParaRPr>
-                    </a:p>
-                  </a:txBody>
-                  <a:tcPr>
-                    <a:solidFill>
-                      <a:srgbClr val="E08A1F"/>
-                    </a:solidFill>
-                  </a:tcPr>
-                </a:tc>
-                <a:tc>
-                  <a:txBody>
-                    <a:bodyPr/>
-                    <a:lstStyle/>
-                    <a:p>
-                      <a:pPr algn="ctr"/>
-                      <a:r>
-                        <a:rPr lang="en-US" dirty="0" smtClean="0">
-                          <a:solidFill>
-                            <a:schemeClr val="bg1"/>
-                          </a:solidFill>
-                        </a:rPr>
-                        <a:t>Results</a:t>
-                      </a:r>
-                      <a:endParaRPr lang="en-US" dirty="0">
-                        <a:solidFill>
-                          <a:schemeClr val="bg1"/>
-                        </a:solidFill>
-                      </a:endParaRPr>
-                    </a:p>
-                  </a:txBody>
-                  <a:tcPr>
-                    <a:solidFill>
-                      <a:srgbClr val="E08A1F"/>
-                    </a:solidFill>
-                  </a:tcPr>
-                </a:tc>
-                <a:tc>
-                  <a:txBody>
-                    <a:bodyPr/>
-                    <a:lstStyle/>
-                    <a:p>
-                      <a:pPr algn="ctr"/>
-                      <a:r>
-                        <a:rPr lang="en-US" dirty="0" smtClean="0">
-                          <a:solidFill>
-                            <a:schemeClr val="tx1"/>
-                          </a:solidFill>
-                        </a:rPr>
-                        <a:t>Conclusions</a:t>
-                      </a:r>
-                      <a:endParaRPr lang="en-US" dirty="0">
-                        <a:solidFill>
-                          <a:schemeClr val="tx1"/>
-                        </a:solidFill>
-                      </a:endParaRPr>
-                    </a:p>
-                  </a:txBody>
-                  <a:tcPr>
-                    <a:solidFill>
-                      <a:srgbClr val="E08A1F"/>
-                    </a:solidFill>
-                  </a:tcPr>
-                </a:tc>
-                <a:extLst>
-                  <a:ext uri="{0D108BD9-81ED-4DB2-BD59-A6C34878D82A}">
-                    <a16:rowId xmlns:a16="http://schemas.microsoft.com/office/drawing/2014/main" val="1666391520"/>
-                  </a:ext>
-                </a:extLst>
-              </a:tr>
-            </a:tbl>
-          </a:graphicData>
-        </a:graphic>
-      </p:graphicFrame>
-    </p:spTree>
-    <p:extLst>
-      <p:ext uri="{BB962C8B-B14F-4D97-AF65-F5344CB8AC3E}">
-        <p14:creationId xmlns:p14="http://schemas.microsoft.com/office/powerpoint/2010/main" val="3878770737"/>
-      </p:ext>
-    </p:extLst>
-  </p:cSld>
-  <p:clrMapOvr>
-    <a:masterClrMapping/>
-  </p:clrMapOvr>
-  <p:timing>
-    <p:tnLst>
-      <p:par>
-        <p:cTn id="1" dur="indefinite" restart="never" nodeType="tmRoot"/>
-      </p:par>
-    </p:tnLst>
-  </p:timing>
-</p:sld>
-</file>
-
-<file path=ppt/slides/slide22.xml><?xml version="1.0" encoding="utf-8"?>
-<p:sld xmlns:a="http://schemas.openxmlformats.org/drawingml/2006/main" xmlns:r="http://schemas.openxmlformats.org/officeDocument/2006/relationships" xmlns:p="http://schemas.openxmlformats.org/presentationml/2006/main">
-  <p:cSld>
-    <p:spTree>
-      <p:nvGrpSpPr>
-        <p:cNvPr id="1" name=""/>
-        <p:cNvGrpSpPr/>
-        <p:nvPr/>
-      </p:nvGrpSpPr>
-      <p:grpSpPr>
-        <a:xfrm>
-          <a:off x="0" y="0"/>
-          <a:ext cx="0" cy="0"/>
-          <a:chOff x="0" y="0"/>
-          <a:chExt cx="0" cy="0"/>
-        </a:xfrm>
-      </p:grpSpPr>
       <p:pic>
         <p:nvPicPr>
           <p:cNvPr id="5" name="Picture 4"/>
@@ -10747,7 +10318,7 @@
 </p:sld>
 </file>
 
-<file path=ppt/slides/slide23.xml><?xml version="1.0" encoding="utf-8"?>
+<file path=ppt/slides/slide22.xml><?xml version="1.0" encoding="utf-8"?>
 <p:sld xmlns:a="http://schemas.openxmlformats.org/drawingml/2006/main" xmlns:r="http://schemas.openxmlformats.org/officeDocument/2006/relationships" xmlns:p="http://schemas.openxmlformats.org/presentationml/2006/main">
   <p:cSld>
     <p:spTree>
@@ -10810,7 +10381,7 @@
               <a:pPr>
                 <a:defRPr/>
               </a:pPr>
-              <a:t>23</a:t>
+              <a:t>22</a:t>
             </a:fld>
             <a:endParaRPr lang="en-US" dirty="0"/>
           </a:p>
@@ -10918,7 +10489,7 @@
 </p:sld>
 </file>
 
-<file path=ppt/slides/slide24.xml><?xml version="1.0" encoding="utf-8"?>
+<file path=ppt/slides/slide23.xml><?xml version="1.0" encoding="utf-8"?>
 <p:sld xmlns:a="http://schemas.openxmlformats.org/drawingml/2006/main" xmlns:r="http://schemas.openxmlformats.org/officeDocument/2006/relationships" xmlns:p="http://schemas.openxmlformats.org/presentationml/2006/main">
   <p:cSld>
     <p:spTree>
@@ -11103,7 +10674,7 @@
               <a:pPr>
                 <a:defRPr/>
               </a:pPr>
-              <a:t>24</a:t>
+              <a:t>23</a:t>
             </a:fld>
             <a:endParaRPr lang="en-US" dirty="0"/>
           </a:p>
@@ -15789,6 +15360,12 @@
 </file>
 
 <file path=customXml/item2.xml><?xml version="1.0" encoding="utf-8"?>
+<p:properties xmlns:p="http://schemas.microsoft.com/office/2006/metadata/properties" xmlns:xsi="http://www.w3.org/2001/XMLSchema-instance">
+  <documentManagement/>
+</p:properties>
+</file>
+
+<file path=customXml/item3.xml><?xml version="1.0" encoding="utf-8"?>
 <ct:contentTypeSchema xmlns:ct="http://schemas.microsoft.com/office/2006/metadata/contentType" xmlns:ma="http://schemas.microsoft.com/office/2006/metadata/properties/metaAttributes" ct:_="" ma:_="" ma:contentTypeName="Document" ma:contentTypeID="0x01010075DEA5B684E6D04C8F8F60CD32CD8F5C" ma:contentTypeVersion="0" ma:contentTypeDescription="Create a new document." ma:contentTypeScope="" ma:versionID="41e97edc035c2e5e5f60dbf406229cfd">
   <xsd:schema xmlns:xsd="http://www.w3.org/2001/XMLSchema" xmlns:p="http://schemas.microsoft.com/office/2006/metadata/properties" targetNamespace="http://schemas.microsoft.com/office/2006/metadata/properties" ma:root="true" ma:fieldsID="4aeb20c0e3442673af7ee10786458764">
     <xsd:element name="properties">
@@ -15837,12 +15414,6 @@
 </ct:contentTypeSchema>
 </file>
 
-<file path=customXml/item3.xml><?xml version="1.0" encoding="utf-8"?>
-<p:properties xmlns:p="http://schemas.microsoft.com/office/2006/metadata/properties" xmlns:xsi="http://www.w3.org/2001/XMLSchema-instance">
-  <documentManagement/>
-</p:properties>
-</file>
-
 <file path=customXml/itemProps1.xml><?xml version="1.0" encoding="utf-8"?>
 <ds:datastoreItem xmlns:ds="http://schemas.openxmlformats.org/officeDocument/2006/customXml" ds:itemID="{53F3348E-F4F4-4BE8-8083-AA7D450E2FAD}">
   <ds:schemaRefs>
@@ -15852,6 +15423,20 @@
 </file>
 
 <file path=customXml/itemProps2.xml><?xml version="1.0" encoding="utf-8"?>
+<ds:datastoreItem xmlns:ds="http://schemas.openxmlformats.org/officeDocument/2006/customXml" ds:itemID="{A414BE1A-A2C4-4862-8AD0-8BDC37D6A979}">
+  <ds:schemaRefs>
+    <ds:schemaRef ds:uri="http://schemas.microsoft.com/office/2006/documentManagement/types"/>
+    <ds:schemaRef ds:uri="http://purl.org/dc/elements/1.1/"/>
+    <ds:schemaRef ds:uri="http://schemas.openxmlformats.org/package/2006/metadata/core-properties"/>
+    <ds:schemaRef ds:uri="http://www.w3.org/XML/1998/namespace"/>
+    <ds:schemaRef ds:uri="http://purl.org/dc/terms/"/>
+    <ds:schemaRef ds:uri="http://purl.org/dc/dcmitype/"/>
+    <ds:schemaRef ds:uri="http://schemas.microsoft.com/office/2006/metadata/properties"/>
+  </ds:schemaRefs>
+</ds:datastoreItem>
+</file>
+
+<file path=customXml/itemProps3.xml><?xml version="1.0" encoding="utf-8"?>
 <ds:datastoreItem xmlns:ds="http://schemas.openxmlformats.org/officeDocument/2006/customXml" ds:itemID="{780A3192-62F6-472E-B429-80C0520060DD}">
   <ds:schemaRefs>
     <ds:schemaRef ds:uri="http://schemas.microsoft.com/office/2006/metadata/contentType"/>
@@ -15864,18 +15449,4 @@
     <ds:schemaRef ds:uri="http://schemas.microsoft.com/office/internal/2005/internalDocumentation"/>
   </ds:schemaRefs>
 </ds:datastoreItem>
-</file>
-
-<file path=customXml/itemProps3.xml><?xml version="1.0" encoding="utf-8"?>
-<ds:datastoreItem xmlns:ds="http://schemas.openxmlformats.org/officeDocument/2006/customXml" ds:itemID="{A414BE1A-A2C4-4862-8AD0-8BDC37D6A979}">
-  <ds:schemaRefs>
-    <ds:schemaRef ds:uri="http://schemas.microsoft.com/office/2006/documentManagement/types"/>
-    <ds:schemaRef ds:uri="http://purl.org/dc/elements/1.1/"/>
-    <ds:schemaRef ds:uri="http://schemas.openxmlformats.org/package/2006/metadata/core-properties"/>
-    <ds:schemaRef ds:uri="http://www.w3.org/XML/1998/namespace"/>
-    <ds:schemaRef ds:uri="http://purl.org/dc/terms/"/>
-    <ds:schemaRef ds:uri="http://purl.org/dc/dcmitype/"/>
-    <ds:schemaRef ds:uri="http://schemas.microsoft.com/office/2006/metadata/properties"/>
-  </ds:schemaRefs>
-</ds:datastoreItem>
 </file>